--- a/branches/juggling.pptx
+++ b/branches/juggling.pptx
@@ -13858,9 +13858,16 @@
             <p:ph idx="1"/>
           </p:nvPr>
         </p:nvSpPr>
-        <p:spPr/>
+        <p:spPr>
+          <a:xfrm>
+            <a:off x="2895600" y="2323652"/>
+            <a:ext cx="4925209" cy="3508977"/>
+          </a:xfrm>
+        </p:spPr>
         <p:txBody>
-          <a:bodyPr/>
+          <a:bodyPr>
+            <a:normAutofit/>
+          </a:bodyPr>
           <a:lstStyle/>
           <a:p>
             <a:pPr algn="just" rtl="1"/>
@@ -13880,6 +13887,47 @@
           </a:p>
         </p:txBody>
       </p:sp>
+      <p:pic>
+        <p:nvPicPr>
+          <p:cNvPr id="1026" name="Picture 2" descr="E:\misagh\dars\mohande30 narm 2\project\misagh\96px-Man_juggling_4_balls_in_shower_pattern.gif"/>
+          <p:cNvPicPr>
+            <a:picLocks noChangeAspect="1" noChangeArrowheads="1" noCrop="1"/>
+          </p:cNvPicPr>
+          <p:nvPr/>
+        </p:nvPicPr>
+        <p:blipFill>
+          <a:blip r:embed="rId2">
+            <a:extLst>
+              <a:ext uri="{28A0092B-C50C-407E-A947-70E740481C1C}">
+                <a14:useLocalDpi xmlns:a14="http://schemas.microsoft.com/office/drawing/2010/main" val="0"/>
+              </a:ext>
+            </a:extLst>
+          </a:blip>
+          <a:srcRect/>
+          <a:stretch>
+            <a:fillRect/>
+          </a:stretch>
+        </p:blipFill>
+        <p:spPr bwMode="auto">
+          <a:xfrm>
+            <a:off x="679450" y="2590800"/>
+            <a:ext cx="2252980" cy="2816225"/>
+          </a:xfrm>
+          <a:prstGeom prst="rect">
+            <a:avLst/>
+          </a:prstGeom>
+          <a:noFill/>
+          <a:extLst>
+            <a:ext uri="{909E8E84-426E-40DD-AFC4-6F175D3DCCD1}">
+              <a14:hiddenFill xmlns:a14="http://schemas.microsoft.com/office/drawing/2010/main">
+                <a:solidFill>
+                  <a:srgbClr val="FFFFFF"/>
+                </a:solidFill>
+              </a14:hiddenFill>
+            </a:ext>
+          </a:extLst>
+        </p:spPr>
+      </p:pic>
     </p:spTree>
     <p:extLst>
       <p:ext uri="{BB962C8B-B14F-4D97-AF65-F5344CB8AC3E}">
